--- a/Apresentaçao.pptx
+++ b/Apresentaçao.pptx
@@ -15,8 +15,13 @@
     <p:sldId id="265" r:id="rId9"/>
     <p:sldId id="266" r:id="rId10"/>
     <p:sldId id="267" r:id="rId11"/>
-    <p:sldId id="268" r:id="rId12"/>
-    <p:sldId id="269" r:id="rId13"/>
+    <p:sldId id="270" r:id="rId12"/>
+    <p:sldId id="274" r:id="rId13"/>
+    <p:sldId id="271" r:id="rId14"/>
+    <p:sldId id="272" r:id="rId15"/>
+    <p:sldId id="268" r:id="rId16"/>
+    <p:sldId id="273" r:id="rId17"/>
+    <p:sldId id="269" r:id="rId18"/>
   </p:sldIdLst>
   <p:sldSz cx="12192000" cy="6858000"/>
   <p:notesSz cx="6858000" cy="9144000"/>
@@ -270,7 +275,7 @@
           <a:p>
             <a:fld id="{149E2D61-4D25-4865-9906-2ECAADC89240}" type="datetimeFigureOut">
               <a:rPr lang="pt-BR" smtClean="0"/>
-              <a:t>24/11/2019</a:t>
+              <a:t>25/11/2019</a:t>
             </a:fld>
             <a:endParaRPr lang="pt-BR"/>
           </a:p>
@@ -468,7 +473,7 @@
           <a:p>
             <a:fld id="{149E2D61-4D25-4865-9906-2ECAADC89240}" type="datetimeFigureOut">
               <a:rPr lang="pt-BR" smtClean="0"/>
-              <a:t>24/11/2019</a:t>
+              <a:t>25/11/2019</a:t>
             </a:fld>
             <a:endParaRPr lang="pt-BR"/>
           </a:p>
@@ -676,7 +681,7 @@
           <a:p>
             <a:fld id="{149E2D61-4D25-4865-9906-2ECAADC89240}" type="datetimeFigureOut">
               <a:rPr lang="pt-BR" smtClean="0"/>
-              <a:t>24/11/2019</a:t>
+              <a:t>25/11/2019</a:t>
             </a:fld>
             <a:endParaRPr lang="pt-BR"/>
           </a:p>
@@ -874,7 +879,7 @@
           <a:p>
             <a:fld id="{149E2D61-4D25-4865-9906-2ECAADC89240}" type="datetimeFigureOut">
               <a:rPr lang="pt-BR" smtClean="0"/>
-              <a:t>24/11/2019</a:t>
+              <a:t>25/11/2019</a:t>
             </a:fld>
             <a:endParaRPr lang="pt-BR"/>
           </a:p>
@@ -1149,7 +1154,7 @@
           <a:p>
             <a:fld id="{149E2D61-4D25-4865-9906-2ECAADC89240}" type="datetimeFigureOut">
               <a:rPr lang="pt-BR" smtClean="0"/>
-              <a:t>24/11/2019</a:t>
+              <a:t>25/11/2019</a:t>
             </a:fld>
             <a:endParaRPr lang="pt-BR"/>
           </a:p>
@@ -1414,7 +1419,7 @@
           <a:p>
             <a:fld id="{149E2D61-4D25-4865-9906-2ECAADC89240}" type="datetimeFigureOut">
               <a:rPr lang="pt-BR" smtClean="0"/>
-              <a:t>24/11/2019</a:t>
+              <a:t>25/11/2019</a:t>
             </a:fld>
             <a:endParaRPr lang="pt-BR"/>
           </a:p>
@@ -1826,7 +1831,7 @@
           <a:p>
             <a:fld id="{149E2D61-4D25-4865-9906-2ECAADC89240}" type="datetimeFigureOut">
               <a:rPr lang="pt-BR" smtClean="0"/>
-              <a:t>24/11/2019</a:t>
+              <a:t>25/11/2019</a:t>
             </a:fld>
             <a:endParaRPr lang="pt-BR"/>
           </a:p>
@@ -1967,7 +1972,7 @@
           <a:p>
             <a:fld id="{149E2D61-4D25-4865-9906-2ECAADC89240}" type="datetimeFigureOut">
               <a:rPr lang="pt-BR" smtClean="0"/>
-              <a:t>24/11/2019</a:t>
+              <a:t>25/11/2019</a:t>
             </a:fld>
             <a:endParaRPr lang="pt-BR"/>
           </a:p>
@@ -2080,7 +2085,7 @@
           <a:p>
             <a:fld id="{149E2D61-4D25-4865-9906-2ECAADC89240}" type="datetimeFigureOut">
               <a:rPr lang="pt-BR" smtClean="0"/>
-              <a:t>24/11/2019</a:t>
+              <a:t>25/11/2019</a:t>
             </a:fld>
             <a:endParaRPr lang="pt-BR"/>
           </a:p>
@@ -2391,7 +2396,7 @@
           <a:p>
             <a:fld id="{149E2D61-4D25-4865-9906-2ECAADC89240}" type="datetimeFigureOut">
               <a:rPr lang="pt-BR" smtClean="0"/>
-              <a:t>24/11/2019</a:t>
+              <a:t>25/11/2019</a:t>
             </a:fld>
             <a:endParaRPr lang="pt-BR"/>
           </a:p>
@@ -2679,7 +2684,7 @@
           <a:p>
             <a:fld id="{149E2D61-4D25-4865-9906-2ECAADC89240}" type="datetimeFigureOut">
               <a:rPr lang="pt-BR" smtClean="0"/>
-              <a:t>24/11/2019</a:t>
+              <a:t>25/11/2019</a:t>
             </a:fld>
             <a:endParaRPr lang="pt-BR"/>
           </a:p>
@@ -2920,7 +2925,7 @@
           <a:p>
             <a:fld id="{149E2D61-4D25-4865-9906-2ECAADC89240}" type="datetimeFigureOut">
               <a:rPr lang="pt-BR" smtClean="0"/>
-              <a:t>24/11/2019</a:t>
+              <a:t>25/11/2019</a:t>
             </a:fld>
             <a:endParaRPr lang="pt-BR"/>
           </a:p>
@@ -7114,6 +7119,1389 @@
           <a:lstStyle/>
           <a:p>
             <a:pPr algn="ctr"/>
+            <a:endParaRPr lang="pt-BR" dirty="0"/>
+          </a:p>
+        </p:txBody>
+      </p:sp>
+      <p:sp>
+        <p:nvSpPr>
+          <p:cNvPr id="8" name="CaixaDeTexto 7">
+            <a:extLst>
+              <a:ext uri="{FF2B5EF4-FFF2-40B4-BE49-F238E27FC236}">
+                <a16:creationId xmlns:a16="http://schemas.microsoft.com/office/drawing/2014/main" id="{9875EAA8-2F37-4F16-AB2A-2611D6AFC916}"/>
+              </a:ext>
+            </a:extLst>
+          </p:cNvPr>
+          <p:cNvSpPr txBox="1"/>
+          <p:nvPr/>
+        </p:nvSpPr>
+        <p:spPr>
+          <a:xfrm>
+            <a:off x="4992991" y="541822"/>
+            <a:ext cx="2127506" cy="646331"/>
+          </a:xfrm>
+          <a:prstGeom prst="rect">
+            <a:avLst/>
+          </a:prstGeom>
+          <a:noFill/>
+          <a:effectLst>
+            <a:glow rad="101600">
+              <a:schemeClr val="tx1">
+                <a:lumMod val="95000"/>
+                <a:lumOff val="5000"/>
+                <a:alpha val="60000"/>
+              </a:schemeClr>
+            </a:glow>
+          </a:effectLst>
+        </p:spPr>
+        <p:txBody>
+          <a:bodyPr wrap="none" rtlCol="0">
+            <a:spAutoFit/>
+          </a:bodyPr>
+          <a:lstStyle/>
+          <a:p>
+            <a:pPr algn="ctr"/>
+            <a:r>
+              <a:rPr lang="pt-BR" sz="3600" i="1" dirty="0">
+                <a:solidFill>
+                  <a:srgbClr val="006BEB"/>
+                </a:solidFill>
+                <a:effectLst>
+                  <a:outerShdw blurRad="38100" dist="38100" dir="2700000" algn="tl">
+                    <a:srgbClr val="000000">
+                      <a:alpha val="43137"/>
+                    </a:srgbClr>
+                  </a:outerShdw>
+                </a:effectLst>
+                <a:latin typeface="Bahnschrift SemiBold Condensed" panose="020B0502040204020203" pitchFamily="34" charset="0"/>
+                <a:cs typeface="Aharoni" panose="02010803020104030203" pitchFamily="2" charset="-79"/>
+              </a:rPr>
+              <a:t>CODIFICAÇÃO</a:t>
+            </a:r>
+            <a:endParaRPr lang="pt-BR" sz="3600" dirty="0">
+              <a:solidFill>
+                <a:srgbClr val="006BEB"/>
+              </a:solidFill>
+              <a:effectLst>
+                <a:outerShdw blurRad="38100" dist="38100" dir="2700000" algn="tl">
+                  <a:srgbClr val="000000">
+                    <a:alpha val="43137"/>
+                  </a:srgbClr>
+                </a:outerShdw>
+              </a:effectLst>
+              <a:latin typeface="Bahnschrift SemiBold Condensed" panose="020B0502040204020203" pitchFamily="34" charset="0"/>
+              <a:cs typeface="Aharoni" panose="02010803020104030203" pitchFamily="2" charset="-79"/>
+            </a:endParaRPr>
+          </a:p>
+        </p:txBody>
+      </p:sp>
+      <p:sp>
+        <p:nvSpPr>
+          <p:cNvPr id="2" name="Retângulo 1">
+            <a:extLst>
+              <a:ext uri="{FF2B5EF4-FFF2-40B4-BE49-F238E27FC236}">
+                <a16:creationId xmlns:a16="http://schemas.microsoft.com/office/drawing/2014/main" id="{A69F478D-EFA9-498B-8601-30C68C0247CB}"/>
+              </a:ext>
+            </a:extLst>
+          </p:cNvPr>
+          <p:cNvSpPr/>
+          <p:nvPr/>
+        </p:nvSpPr>
+        <p:spPr>
+          <a:xfrm>
+            <a:off x="5964379" y="1410333"/>
+            <a:ext cx="184730" cy="523220"/>
+          </a:xfrm>
+          <a:prstGeom prst="rect">
+            <a:avLst/>
+          </a:prstGeom>
+        </p:spPr>
+        <p:txBody>
+          <a:bodyPr wrap="none">
+            <a:spAutoFit/>
+          </a:bodyPr>
+          <a:lstStyle/>
+          <a:p>
+            <a:pPr algn="ctr"/>
+            <a:endParaRPr lang="pt-BR" sz="2800" dirty="0">
+              <a:solidFill>
+                <a:srgbClr val="006BEB"/>
+              </a:solidFill>
+              <a:effectLst>
+                <a:outerShdw blurRad="38100" dist="38100" dir="2700000" algn="tl">
+                  <a:srgbClr val="000000">
+                    <a:alpha val="43137"/>
+                  </a:srgbClr>
+                </a:outerShdw>
+              </a:effectLst>
+              <a:latin typeface="Bahnschrift SemiBold Condensed" panose="020B0502040204020203" pitchFamily="34" charset="0"/>
+              <a:cs typeface="Aharoni" panose="02010803020104030203" pitchFamily="2" charset="-79"/>
+            </a:endParaRPr>
+          </a:p>
+        </p:txBody>
+      </p:sp>
+      <p:pic>
+        <p:nvPicPr>
+          <p:cNvPr id="9" name="Imagem 8" descr="Tela de celular com texto preto sobre fundo branco&#10;&#10;Descrição gerada automaticamente">
+            <a:extLst>
+              <a:ext uri="{FF2B5EF4-FFF2-40B4-BE49-F238E27FC236}">
+                <a16:creationId xmlns:a16="http://schemas.microsoft.com/office/drawing/2014/main" id="{518BE163-D4AB-4A43-B6C9-EE9AF5CE89B8}"/>
+              </a:ext>
+            </a:extLst>
+          </p:cNvPr>
+          <p:cNvPicPr>
+            <a:picLocks noChangeAspect="1"/>
+          </p:cNvPicPr>
+          <p:nvPr/>
+        </p:nvPicPr>
+        <p:blipFill rotWithShape="1">
+          <a:blip r:embed="rId3">
+            <a:extLst>
+              <a:ext uri="{28A0092B-C50C-407E-A947-70E740481C1C}">
+                <a14:useLocalDpi xmlns:a14="http://schemas.microsoft.com/office/drawing/2010/main" val="0"/>
+              </a:ext>
+            </a:extLst>
+          </a:blip>
+          <a:srcRect r="12553" b="53566"/>
+          <a:stretch/>
+        </p:blipFill>
+        <p:spPr>
+          <a:xfrm>
+            <a:off x="483870" y="1527376"/>
+            <a:ext cx="4697730" cy="2122952"/>
+          </a:xfrm>
+          <a:prstGeom prst="rect">
+            <a:avLst/>
+          </a:prstGeom>
+        </p:spPr>
+      </p:pic>
+      <p:pic>
+        <p:nvPicPr>
+          <p:cNvPr id="10" name="Imagem 9">
+            <a:extLst>
+              <a:ext uri="{FF2B5EF4-FFF2-40B4-BE49-F238E27FC236}">
+                <a16:creationId xmlns:a16="http://schemas.microsoft.com/office/drawing/2014/main" id="{B9795236-B6B3-564E-AAA6-8E7768B2CBAD}"/>
+              </a:ext>
+            </a:extLst>
+          </p:cNvPr>
+          <p:cNvPicPr>
+            <a:picLocks noChangeAspect="1"/>
+          </p:cNvPicPr>
+          <p:nvPr/>
+        </p:nvPicPr>
+        <p:blipFill rotWithShape="1">
+          <a:blip r:embed="rId4"/>
+          <a:srcRect l="642"/>
+          <a:stretch/>
+        </p:blipFill>
+        <p:spPr>
+          <a:xfrm>
+            <a:off x="4894729" y="2719559"/>
+            <a:ext cx="6951176" cy="3799218"/>
+          </a:xfrm>
+          <a:prstGeom prst="rect">
+            <a:avLst/>
+          </a:prstGeom>
+        </p:spPr>
+      </p:pic>
+    </p:spTree>
+    <p:extLst>
+      <p:ext uri="{BB962C8B-B14F-4D97-AF65-F5344CB8AC3E}">
+        <p14:creationId xmlns:p14="http://schemas.microsoft.com/office/powerpoint/2010/main" val="2168578630"/>
+      </p:ext>
+    </p:extLst>
+  </p:cSld>
+  <p:clrMapOvr>
+    <a:masterClrMapping/>
+  </p:clrMapOvr>
+</p:sld>
+</file>
+
+<file path=ppt/slides/slide12.xml><?xml version="1.0" encoding="utf-8"?>
+<p:sld xmlns:a="http://schemas.openxmlformats.org/drawingml/2006/main" xmlns:r="http://schemas.openxmlformats.org/officeDocument/2006/relationships" xmlns:p="http://schemas.openxmlformats.org/presentationml/2006/main">
+  <p:cSld>
+    <p:spTree>
+      <p:nvGrpSpPr>
+        <p:cNvPr id="1" name=""/>
+        <p:cNvGrpSpPr/>
+        <p:nvPr/>
+      </p:nvGrpSpPr>
+      <p:grpSpPr>
+        <a:xfrm>
+          <a:off x="0" y="0"/>
+          <a:ext cx="0" cy="0"/>
+          <a:chOff x="0" y="0"/>
+          <a:chExt cx="0" cy="0"/>
+        </a:xfrm>
+      </p:grpSpPr>
+      <p:pic>
+        <p:nvPicPr>
+          <p:cNvPr id="16" name="Imagem 15">
+            <a:extLst>
+              <a:ext uri="{FF2B5EF4-FFF2-40B4-BE49-F238E27FC236}">
+                <a16:creationId xmlns:a16="http://schemas.microsoft.com/office/drawing/2014/main" id="{295C0021-A8C1-467B-ABAB-9DB4DED806C2}"/>
+              </a:ext>
+              <a:ext uri="{C183D7F6-B498-43B3-948B-1728B52AA6E4}">
+                <adec:decorative xmlns:adec="http://schemas.microsoft.com/office/drawing/2017/decorative" val="1"/>
+              </a:ext>
+            </a:extLst>
+          </p:cNvPr>
+          <p:cNvPicPr>
+            <a:picLocks noChangeAspect="1"/>
+          </p:cNvPicPr>
+          <p:nvPr/>
+        </p:nvPicPr>
+        <p:blipFill>
+          <a:blip r:embed="rId2">
+            <a:duotone>
+              <a:prstClr val="black"/>
+              <a:srgbClr val="000066">
+                <a:tint val="45000"/>
+                <a:satMod val="400000"/>
+              </a:srgbClr>
+            </a:duotone>
+            <a:alphaModFix/>
+            <a:extLst>
+              <a:ext uri="{28A0092B-C50C-407E-A947-70E740481C1C}">
+                <a14:useLocalDpi xmlns:a14="http://schemas.microsoft.com/office/drawing/2010/main" val="0"/>
+              </a:ext>
+            </a:extLst>
+          </a:blip>
+          <a:stretch>
+            <a:fillRect/>
+          </a:stretch>
+        </p:blipFill>
+        <p:spPr>
+          <a:xfrm>
+            <a:off x="0" y="0"/>
+            <a:ext cx="12192000" cy="6858000"/>
+          </a:xfrm>
+          <a:prstGeom prst="rect">
+            <a:avLst/>
+          </a:prstGeom>
+        </p:spPr>
+      </p:pic>
+      <p:sp>
+        <p:nvSpPr>
+          <p:cNvPr id="17" name="Retângulo 16">
+            <a:extLst>
+              <a:ext uri="{FF2B5EF4-FFF2-40B4-BE49-F238E27FC236}">
+                <a16:creationId xmlns:a16="http://schemas.microsoft.com/office/drawing/2014/main" id="{EA9E7B3E-1936-486D-979F-B5B91EE6F416}"/>
+              </a:ext>
+            </a:extLst>
+          </p:cNvPr>
+          <p:cNvSpPr/>
+          <p:nvPr/>
+        </p:nvSpPr>
+        <p:spPr>
+          <a:xfrm>
+            <a:off x="0" y="0"/>
+            <a:ext cx="12192000" cy="6858000"/>
+          </a:xfrm>
+          <a:prstGeom prst="rect">
+            <a:avLst/>
+          </a:prstGeom>
+          <a:solidFill>
+            <a:srgbClr val="333F50">
+              <a:alpha val="78039"/>
+            </a:srgbClr>
+          </a:solidFill>
+        </p:spPr>
+        <p:style>
+          <a:lnRef idx="2">
+            <a:schemeClr val="accent1">
+              <a:shade val="50000"/>
+            </a:schemeClr>
+          </a:lnRef>
+          <a:fillRef idx="1">
+            <a:schemeClr val="accent1"/>
+          </a:fillRef>
+          <a:effectRef idx="0">
+            <a:schemeClr val="accent1"/>
+          </a:effectRef>
+          <a:fontRef idx="minor">
+            <a:schemeClr val="lt1"/>
+          </a:fontRef>
+        </p:style>
+        <p:txBody>
+          <a:bodyPr rtlCol="0" anchor="ctr"/>
+          <a:lstStyle/>
+          <a:p>
+            <a:pPr algn="ctr"/>
+            <a:endParaRPr lang="pt-BR"/>
+          </a:p>
+        </p:txBody>
+      </p:sp>
+      <p:sp>
+        <p:nvSpPr>
+          <p:cNvPr id="21" name="Retângulo 20">
+            <a:extLst>
+              <a:ext uri="{FF2B5EF4-FFF2-40B4-BE49-F238E27FC236}">
+                <a16:creationId xmlns:a16="http://schemas.microsoft.com/office/drawing/2014/main" id="{DD52A575-42E0-4B85-B037-E8C297534CDF}"/>
+              </a:ext>
+            </a:extLst>
+          </p:cNvPr>
+          <p:cNvSpPr/>
+          <p:nvPr/>
+        </p:nvSpPr>
+        <p:spPr>
+          <a:xfrm>
+            <a:off x="0" y="0"/>
+            <a:ext cx="12192000" cy="6858000"/>
+          </a:xfrm>
+          <a:prstGeom prst="rect">
+            <a:avLst/>
+          </a:prstGeom>
+          <a:solidFill>
+            <a:srgbClr val="0D0D0D">
+              <a:alpha val="54118"/>
+            </a:srgbClr>
+          </a:solidFill>
+        </p:spPr>
+        <p:style>
+          <a:lnRef idx="2">
+            <a:schemeClr val="accent1">
+              <a:shade val="50000"/>
+            </a:schemeClr>
+          </a:lnRef>
+          <a:fillRef idx="1">
+            <a:schemeClr val="accent1"/>
+          </a:fillRef>
+          <a:effectRef idx="0">
+            <a:schemeClr val="accent1"/>
+          </a:effectRef>
+          <a:fontRef idx="minor">
+            <a:schemeClr val="lt1"/>
+          </a:fontRef>
+        </p:style>
+        <p:txBody>
+          <a:bodyPr rtlCol="0" anchor="ctr"/>
+          <a:lstStyle/>
+          <a:p>
+            <a:pPr algn="ctr"/>
+            <a:endParaRPr lang="pt-BR" dirty="0"/>
+          </a:p>
+        </p:txBody>
+      </p:sp>
+      <p:sp>
+        <p:nvSpPr>
+          <p:cNvPr id="8" name="CaixaDeTexto 7">
+            <a:extLst>
+              <a:ext uri="{FF2B5EF4-FFF2-40B4-BE49-F238E27FC236}">
+                <a16:creationId xmlns:a16="http://schemas.microsoft.com/office/drawing/2014/main" id="{9875EAA8-2F37-4F16-AB2A-2611D6AFC916}"/>
+              </a:ext>
+            </a:extLst>
+          </p:cNvPr>
+          <p:cNvSpPr txBox="1"/>
+          <p:nvPr/>
+        </p:nvSpPr>
+        <p:spPr>
+          <a:xfrm>
+            <a:off x="4992991" y="541822"/>
+            <a:ext cx="2127506" cy="646331"/>
+          </a:xfrm>
+          <a:prstGeom prst="rect">
+            <a:avLst/>
+          </a:prstGeom>
+          <a:noFill/>
+          <a:effectLst>
+            <a:glow rad="101600">
+              <a:schemeClr val="tx1">
+                <a:lumMod val="95000"/>
+                <a:lumOff val="5000"/>
+                <a:alpha val="60000"/>
+              </a:schemeClr>
+            </a:glow>
+          </a:effectLst>
+        </p:spPr>
+        <p:txBody>
+          <a:bodyPr wrap="none" rtlCol="0">
+            <a:spAutoFit/>
+          </a:bodyPr>
+          <a:lstStyle/>
+          <a:p>
+            <a:pPr algn="ctr"/>
+            <a:r>
+              <a:rPr lang="pt-BR" sz="3600" i="1" dirty="0">
+                <a:solidFill>
+                  <a:srgbClr val="006BEB"/>
+                </a:solidFill>
+                <a:effectLst>
+                  <a:outerShdw blurRad="38100" dist="38100" dir="2700000" algn="tl">
+                    <a:srgbClr val="000000">
+                      <a:alpha val="43137"/>
+                    </a:srgbClr>
+                  </a:outerShdw>
+                </a:effectLst>
+                <a:latin typeface="Bahnschrift SemiBold Condensed" panose="020B0502040204020203" pitchFamily="34" charset="0"/>
+                <a:cs typeface="Aharoni" panose="02010803020104030203" pitchFamily="2" charset="-79"/>
+              </a:rPr>
+              <a:t>CODIFICAÇÃO</a:t>
+            </a:r>
+            <a:endParaRPr lang="pt-BR" sz="3600" dirty="0">
+              <a:solidFill>
+                <a:srgbClr val="006BEB"/>
+              </a:solidFill>
+              <a:effectLst>
+                <a:outerShdw blurRad="38100" dist="38100" dir="2700000" algn="tl">
+                  <a:srgbClr val="000000">
+                    <a:alpha val="43137"/>
+                  </a:srgbClr>
+                </a:outerShdw>
+              </a:effectLst>
+              <a:latin typeface="Bahnschrift SemiBold Condensed" panose="020B0502040204020203" pitchFamily="34" charset="0"/>
+              <a:cs typeface="Aharoni" panose="02010803020104030203" pitchFamily="2" charset="-79"/>
+            </a:endParaRPr>
+          </a:p>
+        </p:txBody>
+      </p:sp>
+      <p:sp>
+        <p:nvSpPr>
+          <p:cNvPr id="2" name="Retângulo 1">
+            <a:extLst>
+              <a:ext uri="{FF2B5EF4-FFF2-40B4-BE49-F238E27FC236}">
+                <a16:creationId xmlns:a16="http://schemas.microsoft.com/office/drawing/2014/main" id="{A69F478D-EFA9-498B-8601-30C68C0247CB}"/>
+              </a:ext>
+            </a:extLst>
+          </p:cNvPr>
+          <p:cNvSpPr/>
+          <p:nvPr/>
+        </p:nvSpPr>
+        <p:spPr>
+          <a:xfrm>
+            <a:off x="5964379" y="1410333"/>
+            <a:ext cx="184730" cy="523220"/>
+          </a:xfrm>
+          <a:prstGeom prst="rect">
+            <a:avLst/>
+          </a:prstGeom>
+        </p:spPr>
+        <p:txBody>
+          <a:bodyPr wrap="none">
+            <a:spAutoFit/>
+          </a:bodyPr>
+          <a:lstStyle/>
+          <a:p>
+            <a:pPr algn="ctr"/>
+            <a:endParaRPr lang="pt-BR" sz="2800" dirty="0">
+              <a:solidFill>
+                <a:srgbClr val="006BEB"/>
+              </a:solidFill>
+              <a:effectLst>
+                <a:outerShdw blurRad="38100" dist="38100" dir="2700000" algn="tl">
+                  <a:srgbClr val="000000">
+                    <a:alpha val="43137"/>
+                  </a:srgbClr>
+                </a:outerShdw>
+              </a:effectLst>
+              <a:latin typeface="Bahnschrift SemiBold Condensed" panose="020B0502040204020203" pitchFamily="34" charset="0"/>
+              <a:cs typeface="Aharoni" panose="02010803020104030203" pitchFamily="2" charset="-79"/>
+            </a:endParaRPr>
+          </a:p>
+        </p:txBody>
+      </p:sp>
+      <p:pic>
+        <p:nvPicPr>
+          <p:cNvPr id="3" name="Imagem 2">
+            <a:extLst>
+              <a:ext uri="{FF2B5EF4-FFF2-40B4-BE49-F238E27FC236}">
+                <a16:creationId xmlns:a16="http://schemas.microsoft.com/office/drawing/2014/main" id="{E0BA46CC-4A20-A141-BF30-ECEC06D6D4AC}"/>
+              </a:ext>
+            </a:extLst>
+          </p:cNvPr>
+          <p:cNvPicPr>
+            <a:picLocks noChangeAspect="1"/>
+          </p:cNvPicPr>
+          <p:nvPr/>
+        </p:nvPicPr>
+        <p:blipFill>
+          <a:blip r:embed="rId3"/>
+          <a:stretch>
+            <a:fillRect/>
+          </a:stretch>
+        </p:blipFill>
+        <p:spPr>
+          <a:xfrm>
+            <a:off x="2139767" y="1547185"/>
+            <a:ext cx="7912465" cy="4768993"/>
+          </a:xfrm>
+          <a:prstGeom prst="rect">
+            <a:avLst/>
+          </a:prstGeom>
+        </p:spPr>
+      </p:pic>
+    </p:spTree>
+    <p:extLst>
+      <p:ext uri="{BB962C8B-B14F-4D97-AF65-F5344CB8AC3E}">
+        <p14:creationId xmlns:p14="http://schemas.microsoft.com/office/powerpoint/2010/main" val="64326213"/>
+      </p:ext>
+    </p:extLst>
+  </p:cSld>
+  <p:clrMapOvr>
+    <a:masterClrMapping/>
+  </p:clrMapOvr>
+</p:sld>
+</file>
+
+<file path=ppt/slides/slide13.xml><?xml version="1.0" encoding="utf-8"?>
+<p:sld xmlns:a="http://schemas.openxmlformats.org/drawingml/2006/main" xmlns:r="http://schemas.openxmlformats.org/officeDocument/2006/relationships" xmlns:p="http://schemas.openxmlformats.org/presentationml/2006/main">
+  <p:cSld>
+    <p:spTree>
+      <p:nvGrpSpPr>
+        <p:cNvPr id="1" name=""/>
+        <p:cNvGrpSpPr/>
+        <p:nvPr/>
+      </p:nvGrpSpPr>
+      <p:grpSpPr>
+        <a:xfrm>
+          <a:off x="0" y="0"/>
+          <a:ext cx="0" cy="0"/>
+          <a:chOff x="0" y="0"/>
+          <a:chExt cx="0" cy="0"/>
+        </a:xfrm>
+      </p:grpSpPr>
+      <p:pic>
+        <p:nvPicPr>
+          <p:cNvPr id="16" name="Imagem 15">
+            <a:extLst>
+              <a:ext uri="{FF2B5EF4-FFF2-40B4-BE49-F238E27FC236}">
+                <a16:creationId xmlns:a16="http://schemas.microsoft.com/office/drawing/2014/main" id="{295C0021-A8C1-467B-ABAB-9DB4DED806C2}"/>
+              </a:ext>
+              <a:ext uri="{C183D7F6-B498-43B3-948B-1728B52AA6E4}">
+                <adec:decorative xmlns:adec="http://schemas.microsoft.com/office/drawing/2017/decorative" val="1"/>
+              </a:ext>
+            </a:extLst>
+          </p:cNvPr>
+          <p:cNvPicPr>
+            <a:picLocks noChangeAspect="1"/>
+          </p:cNvPicPr>
+          <p:nvPr/>
+        </p:nvPicPr>
+        <p:blipFill>
+          <a:blip r:embed="rId2">
+            <a:duotone>
+              <a:prstClr val="black"/>
+              <a:srgbClr val="000066">
+                <a:tint val="45000"/>
+                <a:satMod val="400000"/>
+              </a:srgbClr>
+            </a:duotone>
+            <a:alphaModFix/>
+            <a:extLst>
+              <a:ext uri="{28A0092B-C50C-407E-A947-70E740481C1C}">
+                <a14:useLocalDpi xmlns:a14="http://schemas.microsoft.com/office/drawing/2010/main" val="0"/>
+              </a:ext>
+            </a:extLst>
+          </a:blip>
+          <a:stretch>
+            <a:fillRect/>
+          </a:stretch>
+        </p:blipFill>
+        <p:spPr>
+          <a:xfrm>
+            <a:off x="0" y="0"/>
+            <a:ext cx="12192000" cy="6858000"/>
+          </a:xfrm>
+          <a:prstGeom prst="rect">
+            <a:avLst/>
+          </a:prstGeom>
+        </p:spPr>
+      </p:pic>
+      <p:sp>
+        <p:nvSpPr>
+          <p:cNvPr id="17" name="Retângulo 16">
+            <a:extLst>
+              <a:ext uri="{FF2B5EF4-FFF2-40B4-BE49-F238E27FC236}">
+                <a16:creationId xmlns:a16="http://schemas.microsoft.com/office/drawing/2014/main" id="{EA9E7B3E-1936-486D-979F-B5B91EE6F416}"/>
+              </a:ext>
+            </a:extLst>
+          </p:cNvPr>
+          <p:cNvSpPr/>
+          <p:nvPr/>
+        </p:nvSpPr>
+        <p:spPr>
+          <a:xfrm>
+            <a:off x="0" y="0"/>
+            <a:ext cx="12192000" cy="6858000"/>
+          </a:xfrm>
+          <a:prstGeom prst="rect">
+            <a:avLst/>
+          </a:prstGeom>
+          <a:solidFill>
+            <a:srgbClr val="333F50">
+              <a:alpha val="78039"/>
+            </a:srgbClr>
+          </a:solidFill>
+        </p:spPr>
+        <p:style>
+          <a:lnRef idx="2">
+            <a:schemeClr val="accent1">
+              <a:shade val="50000"/>
+            </a:schemeClr>
+          </a:lnRef>
+          <a:fillRef idx="1">
+            <a:schemeClr val="accent1"/>
+          </a:fillRef>
+          <a:effectRef idx="0">
+            <a:schemeClr val="accent1"/>
+          </a:effectRef>
+          <a:fontRef idx="minor">
+            <a:schemeClr val="lt1"/>
+          </a:fontRef>
+        </p:style>
+        <p:txBody>
+          <a:bodyPr rtlCol="0" anchor="ctr"/>
+          <a:lstStyle/>
+          <a:p>
+            <a:pPr algn="ctr"/>
+            <a:endParaRPr lang="pt-BR"/>
+          </a:p>
+        </p:txBody>
+      </p:sp>
+      <p:sp>
+        <p:nvSpPr>
+          <p:cNvPr id="21" name="Retângulo 20">
+            <a:extLst>
+              <a:ext uri="{FF2B5EF4-FFF2-40B4-BE49-F238E27FC236}">
+                <a16:creationId xmlns:a16="http://schemas.microsoft.com/office/drawing/2014/main" id="{DD52A575-42E0-4B85-B037-E8C297534CDF}"/>
+              </a:ext>
+            </a:extLst>
+          </p:cNvPr>
+          <p:cNvSpPr/>
+          <p:nvPr/>
+        </p:nvSpPr>
+        <p:spPr>
+          <a:xfrm>
+            <a:off x="0" y="0"/>
+            <a:ext cx="12192000" cy="6858000"/>
+          </a:xfrm>
+          <a:prstGeom prst="rect">
+            <a:avLst/>
+          </a:prstGeom>
+          <a:solidFill>
+            <a:srgbClr val="0D0D0D">
+              <a:alpha val="54118"/>
+            </a:srgbClr>
+          </a:solidFill>
+        </p:spPr>
+        <p:style>
+          <a:lnRef idx="2">
+            <a:schemeClr val="accent1">
+              <a:shade val="50000"/>
+            </a:schemeClr>
+          </a:lnRef>
+          <a:fillRef idx="1">
+            <a:schemeClr val="accent1"/>
+          </a:fillRef>
+          <a:effectRef idx="0">
+            <a:schemeClr val="accent1"/>
+          </a:effectRef>
+          <a:fontRef idx="minor">
+            <a:schemeClr val="lt1"/>
+          </a:fontRef>
+        </p:style>
+        <p:txBody>
+          <a:bodyPr rtlCol="0" anchor="ctr"/>
+          <a:lstStyle/>
+          <a:p>
+            <a:pPr algn="ctr"/>
+            <a:endParaRPr lang="pt-BR" dirty="0"/>
+          </a:p>
+        </p:txBody>
+      </p:sp>
+      <p:sp>
+        <p:nvSpPr>
+          <p:cNvPr id="8" name="CaixaDeTexto 7">
+            <a:extLst>
+              <a:ext uri="{FF2B5EF4-FFF2-40B4-BE49-F238E27FC236}">
+                <a16:creationId xmlns:a16="http://schemas.microsoft.com/office/drawing/2014/main" id="{9875EAA8-2F37-4F16-AB2A-2611D6AFC916}"/>
+              </a:ext>
+            </a:extLst>
+          </p:cNvPr>
+          <p:cNvSpPr txBox="1"/>
+          <p:nvPr/>
+        </p:nvSpPr>
+        <p:spPr>
+          <a:xfrm>
+            <a:off x="4992991" y="541822"/>
+            <a:ext cx="2127506" cy="646331"/>
+          </a:xfrm>
+          <a:prstGeom prst="rect">
+            <a:avLst/>
+          </a:prstGeom>
+          <a:noFill/>
+          <a:effectLst>
+            <a:glow rad="101600">
+              <a:schemeClr val="tx1">
+                <a:lumMod val="95000"/>
+                <a:lumOff val="5000"/>
+                <a:alpha val="60000"/>
+              </a:schemeClr>
+            </a:glow>
+          </a:effectLst>
+        </p:spPr>
+        <p:txBody>
+          <a:bodyPr wrap="none" rtlCol="0">
+            <a:spAutoFit/>
+          </a:bodyPr>
+          <a:lstStyle/>
+          <a:p>
+            <a:pPr algn="ctr"/>
+            <a:r>
+              <a:rPr lang="pt-BR" sz="3600" i="1" dirty="0">
+                <a:solidFill>
+                  <a:srgbClr val="006BEB"/>
+                </a:solidFill>
+                <a:effectLst>
+                  <a:outerShdw blurRad="38100" dist="38100" dir="2700000" algn="tl">
+                    <a:srgbClr val="000000">
+                      <a:alpha val="43137"/>
+                    </a:srgbClr>
+                  </a:outerShdw>
+                </a:effectLst>
+                <a:latin typeface="Bahnschrift SemiBold Condensed" panose="020B0502040204020203" pitchFamily="34" charset="0"/>
+                <a:cs typeface="Aharoni" panose="02010803020104030203" pitchFamily="2" charset="-79"/>
+              </a:rPr>
+              <a:t>CODIFICAÇÃO</a:t>
+            </a:r>
+            <a:endParaRPr lang="pt-BR" sz="3600" dirty="0">
+              <a:solidFill>
+                <a:srgbClr val="006BEB"/>
+              </a:solidFill>
+              <a:effectLst>
+                <a:outerShdw blurRad="38100" dist="38100" dir="2700000" algn="tl">
+                  <a:srgbClr val="000000">
+                    <a:alpha val="43137"/>
+                  </a:srgbClr>
+                </a:outerShdw>
+              </a:effectLst>
+              <a:latin typeface="Bahnschrift SemiBold Condensed" panose="020B0502040204020203" pitchFamily="34" charset="0"/>
+              <a:cs typeface="Aharoni" panose="02010803020104030203" pitchFamily="2" charset="-79"/>
+            </a:endParaRPr>
+          </a:p>
+        </p:txBody>
+      </p:sp>
+      <p:sp>
+        <p:nvSpPr>
+          <p:cNvPr id="2" name="Retângulo 1">
+            <a:extLst>
+              <a:ext uri="{FF2B5EF4-FFF2-40B4-BE49-F238E27FC236}">
+                <a16:creationId xmlns:a16="http://schemas.microsoft.com/office/drawing/2014/main" id="{A69F478D-EFA9-498B-8601-30C68C0247CB}"/>
+              </a:ext>
+            </a:extLst>
+          </p:cNvPr>
+          <p:cNvSpPr/>
+          <p:nvPr/>
+        </p:nvSpPr>
+        <p:spPr>
+          <a:xfrm>
+            <a:off x="5964379" y="1410333"/>
+            <a:ext cx="184730" cy="523220"/>
+          </a:xfrm>
+          <a:prstGeom prst="rect">
+            <a:avLst/>
+          </a:prstGeom>
+        </p:spPr>
+        <p:txBody>
+          <a:bodyPr wrap="none">
+            <a:spAutoFit/>
+          </a:bodyPr>
+          <a:lstStyle/>
+          <a:p>
+            <a:pPr algn="ctr"/>
+            <a:endParaRPr lang="pt-BR" sz="2800" dirty="0">
+              <a:solidFill>
+                <a:srgbClr val="006BEB"/>
+              </a:solidFill>
+              <a:effectLst>
+                <a:outerShdw blurRad="38100" dist="38100" dir="2700000" algn="tl">
+                  <a:srgbClr val="000000">
+                    <a:alpha val="43137"/>
+                  </a:srgbClr>
+                </a:outerShdw>
+              </a:effectLst>
+              <a:latin typeface="Bahnschrift SemiBold Condensed" panose="020B0502040204020203" pitchFamily="34" charset="0"/>
+              <a:cs typeface="Aharoni" panose="02010803020104030203" pitchFamily="2" charset="-79"/>
+            </a:endParaRPr>
+          </a:p>
+        </p:txBody>
+      </p:sp>
+      <p:pic>
+        <p:nvPicPr>
+          <p:cNvPr id="4" name="Imagem 3" descr="Tela de celular com publicação numa rede social&#10;&#10;Descrição gerada automaticamente">
+            <a:extLst>
+              <a:ext uri="{FF2B5EF4-FFF2-40B4-BE49-F238E27FC236}">
+                <a16:creationId xmlns:a16="http://schemas.microsoft.com/office/drawing/2014/main" id="{633D54D8-AF8D-7441-9AEC-305A81B7D866}"/>
+              </a:ext>
+            </a:extLst>
+          </p:cNvPr>
+          <p:cNvPicPr>
+            <a:picLocks noChangeAspect="1"/>
+          </p:cNvPicPr>
+          <p:nvPr/>
+        </p:nvPicPr>
+        <p:blipFill rotWithShape="1">
+          <a:blip r:embed="rId3">
+            <a:extLst>
+              <a:ext uri="{28A0092B-C50C-407E-A947-70E740481C1C}">
+                <a14:useLocalDpi xmlns:a14="http://schemas.microsoft.com/office/drawing/2010/main" val="0"/>
+              </a:ext>
+            </a:extLst>
+          </a:blip>
+          <a:srcRect t="4271"/>
+          <a:stretch/>
+        </p:blipFill>
+        <p:spPr>
+          <a:xfrm>
+            <a:off x="2887005" y="1410332"/>
+            <a:ext cx="2925687" cy="4979041"/>
+          </a:xfrm>
+          <a:prstGeom prst="rect">
+            <a:avLst/>
+          </a:prstGeom>
+        </p:spPr>
+      </p:pic>
+      <p:pic>
+        <p:nvPicPr>
+          <p:cNvPr id="6" name="Imagem 5" descr="Tela de celular com texto preto sobre fundo branco&#10;&#10;Descrição gerada automaticamente">
+            <a:extLst>
+              <a:ext uri="{FF2B5EF4-FFF2-40B4-BE49-F238E27FC236}">
+                <a16:creationId xmlns:a16="http://schemas.microsoft.com/office/drawing/2014/main" id="{85B6B77B-14CA-E647-AA60-50B75A1EEFE2}"/>
+              </a:ext>
+            </a:extLst>
+          </p:cNvPr>
+          <p:cNvPicPr>
+            <a:picLocks noChangeAspect="1"/>
+          </p:cNvPicPr>
+          <p:nvPr/>
+        </p:nvPicPr>
+        <p:blipFill rotWithShape="1">
+          <a:blip r:embed="rId4">
+            <a:extLst>
+              <a:ext uri="{28A0092B-C50C-407E-A947-70E740481C1C}">
+                <a14:useLocalDpi xmlns:a14="http://schemas.microsoft.com/office/drawing/2010/main" val="0"/>
+              </a:ext>
+            </a:extLst>
+          </a:blip>
+          <a:srcRect t="4271"/>
+          <a:stretch/>
+        </p:blipFill>
+        <p:spPr>
+          <a:xfrm>
+            <a:off x="6244867" y="1410332"/>
+            <a:ext cx="2925687" cy="4979041"/>
+          </a:xfrm>
+          <a:prstGeom prst="rect">
+            <a:avLst/>
+          </a:prstGeom>
+        </p:spPr>
+      </p:pic>
+    </p:spTree>
+    <p:extLst>
+      <p:ext uri="{BB962C8B-B14F-4D97-AF65-F5344CB8AC3E}">
+        <p14:creationId xmlns:p14="http://schemas.microsoft.com/office/powerpoint/2010/main" val="1710430024"/>
+      </p:ext>
+    </p:extLst>
+  </p:cSld>
+  <p:clrMapOvr>
+    <a:masterClrMapping/>
+  </p:clrMapOvr>
+</p:sld>
+</file>
+
+<file path=ppt/slides/slide14.xml><?xml version="1.0" encoding="utf-8"?>
+<p:sld xmlns:a="http://schemas.openxmlformats.org/drawingml/2006/main" xmlns:r="http://schemas.openxmlformats.org/officeDocument/2006/relationships" xmlns:p="http://schemas.openxmlformats.org/presentationml/2006/main">
+  <p:cSld>
+    <p:spTree>
+      <p:nvGrpSpPr>
+        <p:cNvPr id="1" name=""/>
+        <p:cNvGrpSpPr/>
+        <p:nvPr/>
+      </p:nvGrpSpPr>
+      <p:grpSpPr>
+        <a:xfrm>
+          <a:off x="0" y="0"/>
+          <a:ext cx="0" cy="0"/>
+          <a:chOff x="0" y="0"/>
+          <a:chExt cx="0" cy="0"/>
+        </a:xfrm>
+      </p:grpSpPr>
+      <p:pic>
+        <p:nvPicPr>
+          <p:cNvPr id="16" name="Imagem 15">
+            <a:extLst>
+              <a:ext uri="{FF2B5EF4-FFF2-40B4-BE49-F238E27FC236}">
+                <a16:creationId xmlns:a16="http://schemas.microsoft.com/office/drawing/2014/main" id="{295C0021-A8C1-467B-ABAB-9DB4DED806C2}"/>
+              </a:ext>
+              <a:ext uri="{C183D7F6-B498-43B3-948B-1728B52AA6E4}">
+                <adec:decorative xmlns:adec="http://schemas.microsoft.com/office/drawing/2017/decorative" val="1"/>
+              </a:ext>
+            </a:extLst>
+          </p:cNvPr>
+          <p:cNvPicPr>
+            <a:picLocks noChangeAspect="1"/>
+          </p:cNvPicPr>
+          <p:nvPr/>
+        </p:nvPicPr>
+        <p:blipFill>
+          <a:blip r:embed="rId2">
+            <a:duotone>
+              <a:prstClr val="black"/>
+              <a:srgbClr val="000066">
+                <a:tint val="45000"/>
+                <a:satMod val="400000"/>
+              </a:srgbClr>
+            </a:duotone>
+            <a:alphaModFix/>
+            <a:extLst>
+              <a:ext uri="{28A0092B-C50C-407E-A947-70E740481C1C}">
+                <a14:useLocalDpi xmlns:a14="http://schemas.microsoft.com/office/drawing/2010/main" val="0"/>
+              </a:ext>
+            </a:extLst>
+          </a:blip>
+          <a:stretch>
+            <a:fillRect/>
+          </a:stretch>
+        </p:blipFill>
+        <p:spPr>
+          <a:xfrm>
+            <a:off x="0" y="0"/>
+            <a:ext cx="12192000" cy="6858000"/>
+          </a:xfrm>
+          <a:prstGeom prst="rect">
+            <a:avLst/>
+          </a:prstGeom>
+        </p:spPr>
+      </p:pic>
+      <p:sp>
+        <p:nvSpPr>
+          <p:cNvPr id="17" name="Retângulo 16">
+            <a:extLst>
+              <a:ext uri="{FF2B5EF4-FFF2-40B4-BE49-F238E27FC236}">
+                <a16:creationId xmlns:a16="http://schemas.microsoft.com/office/drawing/2014/main" id="{EA9E7B3E-1936-486D-979F-B5B91EE6F416}"/>
+              </a:ext>
+            </a:extLst>
+          </p:cNvPr>
+          <p:cNvSpPr/>
+          <p:nvPr/>
+        </p:nvSpPr>
+        <p:spPr>
+          <a:xfrm>
+            <a:off x="0" y="0"/>
+            <a:ext cx="12192000" cy="6858000"/>
+          </a:xfrm>
+          <a:prstGeom prst="rect">
+            <a:avLst/>
+          </a:prstGeom>
+          <a:solidFill>
+            <a:srgbClr val="333F50">
+              <a:alpha val="78039"/>
+            </a:srgbClr>
+          </a:solidFill>
+        </p:spPr>
+        <p:style>
+          <a:lnRef idx="2">
+            <a:schemeClr val="accent1">
+              <a:shade val="50000"/>
+            </a:schemeClr>
+          </a:lnRef>
+          <a:fillRef idx="1">
+            <a:schemeClr val="accent1"/>
+          </a:fillRef>
+          <a:effectRef idx="0">
+            <a:schemeClr val="accent1"/>
+          </a:effectRef>
+          <a:fontRef idx="minor">
+            <a:schemeClr val="lt1"/>
+          </a:fontRef>
+        </p:style>
+        <p:txBody>
+          <a:bodyPr rtlCol="0" anchor="ctr"/>
+          <a:lstStyle/>
+          <a:p>
+            <a:pPr algn="ctr"/>
+            <a:endParaRPr lang="pt-BR"/>
+          </a:p>
+        </p:txBody>
+      </p:sp>
+      <p:sp>
+        <p:nvSpPr>
+          <p:cNvPr id="21" name="Retângulo 20">
+            <a:extLst>
+              <a:ext uri="{FF2B5EF4-FFF2-40B4-BE49-F238E27FC236}">
+                <a16:creationId xmlns:a16="http://schemas.microsoft.com/office/drawing/2014/main" id="{DD52A575-42E0-4B85-B037-E8C297534CDF}"/>
+              </a:ext>
+            </a:extLst>
+          </p:cNvPr>
+          <p:cNvSpPr/>
+          <p:nvPr/>
+        </p:nvSpPr>
+        <p:spPr>
+          <a:xfrm>
+            <a:off x="0" y="0"/>
+            <a:ext cx="12192000" cy="6858000"/>
+          </a:xfrm>
+          <a:prstGeom prst="rect">
+            <a:avLst/>
+          </a:prstGeom>
+          <a:solidFill>
+            <a:srgbClr val="0D0D0D">
+              <a:alpha val="54118"/>
+            </a:srgbClr>
+          </a:solidFill>
+        </p:spPr>
+        <p:style>
+          <a:lnRef idx="2">
+            <a:schemeClr val="accent1">
+              <a:shade val="50000"/>
+            </a:schemeClr>
+          </a:lnRef>
+          <a:fillRef idx="1">
+            <a:schemeClr val="accent1"/>
+          </a:fillRef>
+          <a:effectRef idx="0">
+            <a:schemeClr val="accent1"/>
+          </a:effectRef>
+          <a:fontRef idx="minor">
+            <a:schemeClr val="lt1"/>
+          </a:fontRef>
+        </p:style>
+        <p:txBody>
+          <a:bodyPr rtlCol="0" anchor="ctr"/>
+          <a:lstStyle/>
+          <a:p>
+            <a:pPr algn="ctr"/>
+            <a:endParaRPr lang="pt-BR" dirty="0"/>
+          </a:p>
+        </p:txBody>
+      </p:sp>
+      <p:sp>
+        <p:nvSpPr>
+          <p:cNvPr id="8" name="CaixaDeTexto 7">
+            <a:extLst>
+              <a:ext uri="{FF2B5EF4-FFF2-40B4-BE49-F238E27FC236}">
+                <a16:creationId xmlns:a16="http://schemas.microsoft.com/office/drawing/2014/main" id="{9875EAA8-2F37-4F16-AB2A-2611D6AFC916}"/>
+              </a:ext>
+            </a:extLst>
+          </p:cNvPr>
+          <p:cNvSpPr txBox="1"/>
+          <p:nvPr/>
+        </p:nvSpPr>
+        <p:spPr>
+          <a:xfrm>
+            <a:off x="4992991" y="541822"/>
+            <a:ext cx="2127506" cy="646331"/>
+          </a:xfrm>
+          <a:prstGeom prst="rect">
+            <a:avLst/>
+          </a:prstGeom>
+          <a:noFill/>
+          <a:effectLst>
+            <a:glow rad="101600">
+              <a:schemeClr val="tx1">
+                <a:lumMod val="95000"/>
+                <a:lumOff val="5000"/>
+                <a:alpha val="60000"/>
+              </a:schemeClr>
+            </a:glow>
+          </a:effectLst>
+        </p:spPr>
+        <p:txBody>
+          <a:bodyPr wrap="none" rtlCol="0">
+            <a:spAutoFit/>
+          </a:bodyPr>
+          <a:lstStyle/>
+          <a:p>
+            <a:pPr algn="ctr"/>
+            <a:r>
+              <a:rPr lang="pt-BR" sz="3600" i="1" dirty="0">
+                <a:solidFill>
+                  <a:srgbClr val="006BEB"/>
+                </a:solidFill>
+                <a:effectLst>
+                  <a:outerShdw blurRad="38100" dist="38100" dir="2700000" algn="tl">
+                    <a:srgbClr val="000000">
+                      <a:alpha val="43137"/>
+                    </a:srgbClr>
+                  </a:outerShdw>
+                </a:effectLst>
+                <a:latin typeface="Bahnschrift SemiBold Condensed" panose="020B0502040204020203" pitchFamily="34" charset="0"/>
+                <a:cs typeface="Aharoni" panose="02010803020104030203" pitchFamily="2" charset="-79"/>
+              </a:rPr>
+              <a:t>CODIFICAÇÃO</a:t>
+            </a:r>
+            <a:endParaRPr lang="pt-BR" sz="3600" dirty="0">
+              <a:solidFill>
+                <a:srgbClr val="006BEB"/>
+              </a:solidFill>
+              <a:effectLst>
+                <a:outerShdw blurRad="38100" dist="38100" dir="2700000" algn="tl">
+                  <a:srgbClr val="000000">
+                    <a:alpha val="43137"/>
+                  </a:srgbClr>
+                </a:outerShdw>
+              </a:effectLst>
+              <a:latin typeface="Bahnschrift SemiBold Condensed" panose="020B0502040204020203" pitchFamily="34" charset="0"/>
+              <a:cs typeface="Aharoni" panose="02010803020104030203" pitchFamily="2" charset="-79"/>
+            </a:endParaRPr>
+          </a:p>
+        </p:txBody>
+      </p:sp>
+      <p:sp>
+        <p:nvSpPr>
+          <p:cNvPr id="2" name="Retângulo 1">
+            <a:extLst>
+              <a:ext uri="{FF2B5EF4-FFF2-40B4-BE49-F238E27FC236}">
+                <a16:creationId xmlns:a16="http://schemas.microsoft.com/office/drawing/2014/main" id="{A69F478D-EFA9-498B-8601-30C68C0247CB}"/>
+              </a:ext>
+            </a:extLst>
+          </p:cNvPr>
+          <p:cNvSpPr/>
+          <p:nvPr/>
+        </p:nvSpPr>
+        <p:spPr>
+          <a:xfrm>
+            <a:off x="5964379" y="1410333"/>
+            <a:ext cx="184730" cy="523220"/>
+          </a:xfrm>
+          <a:prstGeom prst="rect">
+            <a:avLst/>
+          </a:prstGeom>
+        </p:spPr>
+        <p:txBody>
+          <a:bodyPr wrap="none">
+            <a:spAutoFit/>
+          </a:bodyPr>
+          <a:lstStyle/>
+          <a:p>
+            <a:pPr algn="ctr"/>
+            <a:endParaRPr lang="pt-BR" sz="2800" dirty="0">
+              <a:solidFill>
+                <a:srgbClr val="006BEB"/>
+              </a:solidFill>
+              <a:effectLst>
+                <a:outerShdw blurRad="38100" dist="38100" dir="2700000" algn="tl">
+                  <a:srgbClr val="000000">
+                    <a:alpha val="43137"/>
+                  </a:srgbClr>
+                </a:outerShdw>
+              </a:effectLst>
+              <a:latin typeface="Bahnschrift SemiBold Condensed" panose="020B0502040204020203" pitchFamily="34" charset="0"/>
+              <a:cs typeface="Aharoni" panose="02010803020104030203" pitchFamily="2" charset="-79"/>
+            </a:endParaRPr>
+          </a:p>
+        </p:txBody>
+      </p:sp>
+      <p:pic>
+        <p:nvPicPr>
+          <p:cNvPr id="5" name="Imagem 4" descr="Mapa colorido com texto preto sobre fundo branco&#10;&#10;Descrição gerada automaticamente">
+            <a:extLst>
+              <a:ext uri="{FF2B5EF4-FFF2-40B4-BE49-F238E27FC236}">
+                <a16:creationId xmlns:a16="http://schemas.microsoft.com/office/drawing/2014/main" id="{E8C93EE1-225B-1347-B681-CA41F9F8DCB1}"/>
+              </a:ext>
+            </a:extLst>
+          </p:cNvPr>
+          <p:cNvPicPr>
+            <a:picLocks noChangeAspect="1"/>
+          </p:cNvPicPr>
+          <p:nvPr/>
+        </p:nvPicPr>
+        <p:blipFill rotWithShape="1">
+          <a:blip r:embed="rId3">
+            <a:extLst>
+              <a:ext uri="{28A0092B-C50C-407E-A947-70E740481C1C}">
+                <a14:useLocalDpi xmlns:a14="http://schemas.microsoft.com/office/drawing/2010/main" val="0"/>
+              </a:ext>
+            </a:extLst>
+          </a:blip>
+          <a:srcRect t="3521"/>
+          <a:stretch/>
+        </p:blipFill>
+        <p:spPr>
+          <a:xfrm>
+            <a:off x="4643914" y="1335005"/>
+            <a:ext cx="2904172" cy="4981173"/>
+          </a:xfrm>
+          <a:prstGeom prst="rect">
+            <a:avLst/>
+          </a:prstGeom>
+        </p:spPr>
+      </p:pic>
+    </p:spTree>
+    <p:extLst>
+      <p:ext uri="{BB962C8B-B14F-4D97-AF65-F5344CB8AC3E}">
+        <p14:creationId xmlns:p14="http://schemas.microsoft.com/office/powerpoint/2010/main" val="2508728037"/>
+      </p:ext>
+    </p:extLst>
+  </p:cSld>
+  <p:clrMapOvr>
+    <a:masterClrMapping/>
+  </p:clrMapOvr>
+</p:sld>
+</file>
+
+<file path=ppt/slides/slide15.xml><?xml version="1.0" encoding="utf-8"?>
+<p:sld xmlns:a="http://schemas.openxmlformats.org/drawingml/2006/main" xmlns:r="http://schemas.openxmlformats.org/officeDocument/2006/relationships" xmlns:p="http://schemas.openxmlformats.org/presentationml/2006/main">
+  <p:cSld>
+    <p:spTree>
+      <p:nvGrpSpPr>
+        <p:cNvPr id="1" name=""/>
+        <p:cNvGrpSpPr/>
+        <p:nvPr/>
+      </p:nvGrpSpPr>
+      <p:grpSpPr>
+        <a:xfrm>
+          <a:off x="0" y="0"/>
+          <a:ext cx="0" cy="0"/>
+          <a:chOff x="0" y="0"/>
+          <a:chExt cx="0" cy="0"/>
+        </a:xfrm>
+      </p:grpSpPr>
+      <p:pic>
+        <p:nvPicPr>
+          <p:cNvPr id="16" name="Imagem 15">
+            <a:extLst>
+              <a:ext uri="{FF2B5EF4-FFF2-40B4-BE49-F238E27FC236}">
+                <a16:creationId xmlns:a16="http://schemas.microsoft.com/office/drawing/2014/main" id="{295C0021-A8C1-467B-ABAB-9DB4DED806C2}"/>
+              </a:ext>
+              <a:ext uri="{C183D7F6-B498-43B3-948B-1728B52AA6E4}">
+                <adec:decorative xmlns:adec="http://schemas.microsoft.com/office/drawing/2017/decorative" val="1"/>
+              </a:ext>
+            </a:extLst>
+          </p:cNvPr>
+          <p:cNvPicPr>
+            <a:picLocks noChangeAspect="1"/>
+          </p:cNvPicPr>
+          <p:nvPr/>
+        </p:nvPicPr>
+        <p:blipFill>
+          <a:blip r:embed="rId2">
+            <a:duotone>
+              <a:prstClr val="black"/>
+              <a:srgbClr val="000066">
+                <a:tint val="45000"/>
+                <a:satMod val="400000"/>
+              </a:srgbClr>
+            </a:duotone>
+            <a:alphaModFix/>
+            <a:extLst>
+              <a:ext uri="{28A0092B-C50C-407E-A947-70E740481C1C}">
+                <a14:useLocalDpi xmlns:a14="http://schemas.microsoft.com/office/drawing/2010/main" val="0"/>
+              </a:ext>
+            </a:extLst>
+          </a:blip>
+          <a:stretch>
+            <a:fillRect/>
+          </a:stretch>
+        </p:blipFill>
+        <p:spPr>
+          <a:xfrm>
+            <a:off x="0" y="0"/>
+            <a:ext cx="12192000" cy="6858000"/>
+          </a:xfrm>
+          <a:prstGeom prst="rect">
+            <a:avLst/>
+          </a:prstGeom>
+        </p:spPr>
+      </p:pic>
+      <p:sp>
+        <p:nvSpPr>
+          <p:cNvPr id="17" name="Retângulo 16">
+            <a:extLst>
+              <a:ext uri="{FF2B5EF4-FFF2-40B4-BE49-F238E27FC236}">
+                <a16:creationId xmlns:a16="http://schemas.microsoft.com/office/drawing/2014/main" id="{EA9E7B3E-1936-486D-979F-B5B91EE6F416}"/>
+              </a:ext>
+            </a:extLst>
+          </p:cNvPr>
+          <p:cNvSpPr/>
+          <p:nvPr/>
+        </p:nvSpPr>
+        <p:spPr>
+          <a:xfrm>
+            <a:off x="0" y="0"/>
+            <a:ext cx="12192000" cy="6858000"/>
+          </a:xfrm>
+          <a:prstGeom prst="rect">
+            <a:avLst/>
+          </a:prstGeom>
+          <a:solidFill>
+            <a:srgbClr val="333F50">
+              <a:alpha val="78039"/>
+            </a:srgbClr>
+          </a:solidFill>
+        </p:spPr>
+        <p:style>
+          <a:lnRef idx="2">
+            <a:schemeClr val="accent1">
+              <a:shade val="50000"/>
+            </a:schemeClr>
+          </a:lnRef>
+          <a:fillRef idx="1">
+            <a:schemeClr val="accent1"/>
+          </a:fillRef>
+          <a:effectRef idx="0">
+            <a:schemeClr val="accent1"/>
+          </a:effectRef>
+          <a:fontRef idx="minor">
+            <a:schemeClr val="lt1"/>
+          </a:fontRef>
+        </p:style>
+        <p:txBody>
+          <a:bodyPr rtlCol="0" anchor="ctr"/>
+          <a:lstStyle/>
+          <a:p>
+            <a:pPr algn="ctr"/>
+            <a:endParaRPr lang="pt-BR"/>
+          </a:p>
+        </p:txBody>
+      </p:sp>
+      <p:sp>
+        <p:nvSpPr>
+          <p:cNvPr id="21" name="Retângulo 20">
+            <a:extLst>
+              <a:ext uri="{FF2B5EF4-FFF2-40B4-BE49-F238E27FC236}">
+                <a16:creationId xmlns:a16="http://schemas.microsoft.com/office/drawing/2014/main" id="{DD52A575-42E0-4B85-B037-E8C297534CDF}"/>
+              </a:ext>
+            </a:extLst>
+          </p:cNvPr>
+          <p:cNvSpPr/>
+          <p:nvPr/>
+        </p:nvSpPr>
+        <p:spPr>
+          <a:xfrm>
+            <a:off x="0" y="0"/>
+            <a:ext cx="12192000" cy="6858000"/>
+          </a:xfrm>
+          <a:prstGeom prst="rect">
+            <a:avLst/>
+          </a:prstGeom>
+          <a:solidFill>
+            <a:srgbClr val="0D0D0D">
+              <a:alpha val="54118"/>
+            </a:srgbClr>
+          </a:solidFill>
+        </p:spPr>
+        <p:style>
+          <a:lnRef idx="2">
+            <a:schemeClr val="accent1">
+              <a:shade val="50000"/>
+            </a:schemeClr>
+          </a:lnRef>
+          <a:fillRef idx="1">
+            <a:schemeClr val="accent1"/>
+          </a:fillRef>
+          <a:effectRef idx="0">
+            <a:schemeClr val="accent1"/>
+          </a:effectRef>
+          <a:fontRef idx="minor">
+            <a:schemeClr val="lt1"/>
+          </a:fontRef>
+        </p:style>
+        <p:txBody>
+          <a:bodyPr rtlCol="0" anchor="ctr"/>
+          <a:lstStyle/>
+          <a:p>
+            <a:pPr algn="ctr"/>
             <a:endParaRPr lang="pt-BR"/>
           </a:p>
         </p:txBody>
@@ -7248,7 +8636,336 @@
 </p:sld>
 </file>
 
-<file path=ppt/slides/slide12.xml><?xml version="1.0" encoding="utf-8"?>
+<file path=ppt/slides/slide16.xml><?xml version="1.0" encoding="utf-8"?>
+<p:sld xmlns:a="http://schemas.openxmlformats.org/drawingml/2006/main" xmlns:r="http://schemas.openxmlformats.org/officeDocument/2006/relationships" xmlns:p="http://schemas.openxmlformats.org/presentationml/2006/main">
+  <p:cSld>
+    <p:spTree>
+      <p:nvGrpSpPr>
+        <p:cNvPr id="1" name=""/>
+        <p:cNvGrpSpPr/>
+        <p:nvPr/>
+      </p:nvGrpSpPr>
+      <p:grpSpPr>
+        <a:xfrm>
+          <a:off x="0" y="0"/>
+          <a:ext cx="0" cy="0"/>
+          <a:chOff x="0" y="0"/>
+          <a:chExt cx="0" cy="0"/>
+        </a:xfrm>
+      </p:grpSpPr>
+      <p:pic>
+        <p:nvPicPr>
+          <p:cNvPr id="16" name="Imagem 15">
+            <a:extLst>
+              <a:ext uri="{FF2B5EF4-FFF2-40B4-BE49-F238E27FC236}">
+                <a16:creationId xmlns:a16="http://schemas.microsoft.com/office/drawing/2014/main" id="{295C0021-A8C1-467B-ABAB-9DB4DED806C2}"/>
+              </a:ext>
+              <a:ext uri="{C183D7F6-B498-43B3-948B-1728B52AA6E4}">
+                <adec:decorative xmlns:adec="http://schemas.microsoft.com/office/drawing/2017/decorative" val="1"/>
+              </a:ext>
+            </a:extLst>
+          </p:cNvPr>
+          <p:cNvPicPr>
+            <a:picLocks noChangeAspect="1"/>
+          </p:cNvPicPr>
+          <p:nvPr/>
+        </p:nvPicPr>
+        <p:blipFill>
+          <a:blip r:embed="rId2">
+            <a:duotone>
+              <a:prstClr val="black"/>
+              <a:srgbClr val="000066">
+                <a:tint val="45000"/>
+                <a:satMod val="400000"/>
+              </a:srgbClr>
+            </a:duotone>
+            <a:alphaModFix/>
+            <a:extLst>
+              <a:ext uri="{28A0092B-C50C-407E-A947-70E740481C1C}">
+                <a14:useLocalDpi xmlns:a14="http://schemas.microsoft.com/office/drawing/2010/main" val="0"/>
+              </a:ext>
+            </a:extLst>
+          </a:blip>
+          <a:stretch>
+            <a:fillRect/>
+          </a:stretch>
+        </p:blipFill>
+        <p:spPr>
+          <a:xfrm>
+            <a:off x="0" y="0"/>
+            <a:ext cx="12192000" cy="6858000"/>
+          </a:xfrm>
+          <a:prstGeom prst="rect">
+            <a:avLst/>
+          </a:prstGeom>
+        </p:spPr>
+      </p:pic>
+      <p:sp>
+        <p:nvSpPr>
+          <p:cNvPr id="17" name="Retângulo 16">
+            <a:extLst>
+              <a:ext uri="{FF2B5EF4-FFF2-40B4-BE49-F238E27FC236}">
+                <a16:creationId xmlns:a16="http://schemas.microsoft.com/office/drawing/2014/main" id="{EA9E7B3E-1936-486D-979F-B5B91EE6F416}"/>
+              </a:ext>
+            </a:extLst>
+          </p:cNvPr>
+          <p:cNvSpPr/>
+          <p:nvPr/>
+        </p:nvSpPr>
+        <p:spPr>
+          <a:xfrm>
+            <a:off x="0" y="0"/>
+            <a:ext cx="12192000" cy="6858000"/>
+          </a:xfrm>
+          <a:prstGeom prst="rect">
+            <a:avLst/>
+          </a:prstGeom>
+          <a:solidFill>
+            <a:srgbClr val="333F50">
+              <a:alpha val="78039"/>
+            </a:srgbClr>
+          </a:solidFill>
+        </p:spPr>
+        <p:style>
+          <a:lnRef idx="2">
+            <a:schemeClr val="accent1">
+              <a:shade val="50000"/>
+            </a:schemeClr>
+          </a:lnRef>
+          <a:fillRef idx="1">
+            <a:schemeClr val="accent1"/>
+          </a:fillRef>
+          <a:effectRef idx="0">
+            <a:schemeClr val="accent1"/>
+          </a:effectRef>
+          <a:fontRef idx="minor">
+            <a:schemeClr val="lt1"/>
+          </a:fontRef>
+        </p:style>
+        <p:txBody>
+          <a:bodyPr rtlCol="0" anchor="ctr"/>
+          <a:lstStyle/>
+          <a:p>
+            <a:pPr algn="ctr"/>
+            <a:endParaRPr lang="pt-BR"/>
+          </a:p>
+        </p:txBody>
+      </p:sp>
+      <p:sp>
+        <p:nvSpPr>
+          <p:cNvPr id="21" name="Retângulo 20">
+            <a:extLst>
+              <a:ext uri="{FF2B5EF4-FFF2-40B4-BE49-F238E27FC236}">
+                <a16:creationId xmlns:a16="http://schemas.microsoft.com/office/drawing/2014/main" id="{DD52A575-42E0-4B85-B037-E8C297534CDF}"/>
+              </a:ext>
+            </a:extLst>
+          </p:cNvPr>
+          <p:cNvSpPr/>
+          <p:nvPr/>
+        </p:nvSpPr>
+        <p:spPr>
+          <a:xfrm>
+            <a:off x="0" y="0"/>
+            <a:ext cx="12192000" cy="6858000"/>
+          </a:xfrm>
+          <a:prstGeom prst="rect">
+            <a:avLst/>
+          </a:prstGeom>
+          <a:solidFill>
+            <a:srgbClr val="0D0D0D">
+              <a:alpha val="54118"/>
+            </a:srgbClr>
+          </a:solidFill>
+        </p:spPr>
+        <p:style>
+          <a:lnRef idx="2">
+            <a:schemeClr val="accent1">
+              <a:shade val="50000"/>
+            </a:schemeClr>
+          </a:lnRef>
+          <a:fillRef idx="1">
+            <a:schemeClr val="accent1"/>
+          </a:fillRef>
+          <a:effectRef idx="0">
+            <a:schemeClr val="accent1"/>
+          </a:effectRef>
+          <a:fontRef idx="minor">
+            <a:schemeClr val="lt1"/>
+          </a:fontRef>
+        </p:style>
+        <p:txBody>
+          <a:bodyPr rtlCol="0" anchor="ctr"/>
+          <a:lstStyle/>
+          <a:p>
+            <a:pPr algn="ctr"/>
+            <a:endParaRPr lang="pt-BR" dirty="0"/>
+          </a:p>
+        </p:txBody>
+      </p:sp>
+      <p:sp>
+        <p:nvSpPr>
+          <p:cNvPr id="8" name="CaixaDeTexto 7">
+            <a:extLst>
+              <a:ext uri="{FF2B5EF4-FFF2-40B4-BE49-F238E27FC236}">
+                <a16:creationId xmlns:a16="http://schemas.microsoft.com/office/drawing/2014/main" id="{9875EAA8-2F37-4F16-AB2A-2611D6AFC916}"/>
+              </a:ext>
+            </a:extLst>
+          </p:cNvPr>
+          <p:cNvSpPr txBox="1"/>
+          <p:nvPr/>
+        </p:nvSpPr>
+        <p:spPr>
+          <a:xfrm>
+            <a:off x="5471489" y="782905"/>
+            <a:ext cx="1249061" cy="646331"/>
+          </a:xfrm>
+          <a:prstGeom prst="rect">
+            <a:avLst/>
+          </a:prstGeom>
+          <a:noFill/>
+          <a:effectLst>
+            <a:glow rad="101600">
+              <a:schemeClr val="tx1">
+                <a:lumMod val="95000"/>
+                <a:lumOff val="5000"/>
+                <a:alpha val="60000"/>
+              </a:schemeClr>
+            </a:glow>
+          </a:effectLst>
+        </p:spPr>
+        <p:txBody>
+          <a:bodyPr wrap="none" rtlCol="0">
+            <a:spAutoFit/>
+          </a:bodyPr>
+          <a:lstStyle/>
+          <a:p>
+            <a:pPr algn="ctr"/>
+            <a:r>
+              <a:rPr lang="pt-BR" sz="3600" i="1" dirty="0">
+                <a:solidFill>
+                  <a:srgbClr val="006BEB"/>
+                </a:solidFill>
+                <a:effectLst>
+                  <a:outerShdw blurRad="38100" dist="38100" dir="2700000" algn="tl">
+                    <a:srgbClr val="000000">
+                      <a:alpha val="43137"/>
+                    </a:srgbClr>
+                  </a:outerShdw>
+                </a:effectLst>
+                <a:latin typeface="Bahnschrift SemiBold Condensed" panose="020B0502040204020203" pitchFamily="34" charset="0"/>
+                <a:cs typeface="Aharoni" panose="02010803020104030203" pitchFamily="2" charset="-79"/>
+              </a:rPr>
+              <a:t>TESTES</a:t>
+            </a:r>
+            <a:endParaRPr lang="pt-BR" sz="3600" dirty="0">
+              <a:solidFill>
+                <a:srgbClr val="006BEB"/>
+              </a:solidFill>
+              <a:effectLst>
+                <a:outerShdw blurRad="38100" dist="38100" dir="2700000" algn="tl">
+                  <a:srgbClr val="000000">
+                    <a:alpha val="43137"/>
+                  </a:srgbClr>
+                </a:outerShdw>
+              </a:effectLst>
+              <a:latin typeface="Bahnschrift SemiBold Condensed" panose="020B0502040204020203" pitchFamily="34" charset="0"/>
+              <a:cs typeface="Aharoni" panose="02010803020104030203" pitchFamily="2" charset="-79"/>
+            </a:endParaRPr>
+          </a:p>
+        </p:txBody>
+      </p:sp>
+      <p:pic>
+        <p:nvPicPr>
+          <p:cNvPr id="2" name="Imagem 1">
+            <a:extLst>
+              <a:ext uri="{FF2B5EF4-FFF2-40B4-BE49-F238E27FC236}">
+                <a16:creationId xmlns:a16="http://schemas.microsoft.com/office/drawing/2014/main" id="{F4A8D3E5-EC7B-5F45-9004-56C8CBE8A813}"/>
+              </a:ext>
+            </a:extLst>
+          </p:cNvPr>
+          <p:cNvPicPr>
+            <a:picLocks noChangeAspect="1"/>
+          </p:cNvPicPr>
+          <p:nvPr/>
+        </p:nvPicPr>
+        <p:blipFill>
+          <a:blip r:embed="rId3"/>
+          <a:stretch>
+            <a:fillRect/>
+          </a:stretch>
+        </p:blipFill>
+        <p:spPr>
+          <a:xfrm>
+            <a:off x="3807775" y="2212141"/>
+            <a:ext cx="4521424" cy="3751632"/>
+          </a:xfrm>
+          <a:prstGeom prst="rect">
+            <a:avLst/>
+          </a:prstGeom>
+        </p:spPr>
+      </p:pic>
+      <p:sp>
+        <p:nvSpPr>
+          <p:cNvPr id="4" name="Retângulo 3">
+            <a:extLst>
+              <a:ext uri="{FF2B5EF4-FFF2-40B4-BE49-F238E27FC236}">
+                <a16:creationId xmlns:a16="http://schemas.microsoft.com/office/drawing/2014/main" id="{B7407AEB-FB11-164C-BAE0-DD593A5D5ACF}"/>
+              </a:ext>
+            </a:extLst>
+          </p:cNvPr>
+          <p:cNvSpPr/>
+          <p:nvPr/>
+        </p:nvSpPr>
+        <p:spPr>
+          <a:xfrm>
+            <a:off x="5108101" y="1429236"/>
+            <a:ext cx="1975797" cy="369332"/>
+          </a:xfrm>
+          <a:prstGeom prst="rect">
+            <a:avLst/>
+          </a:prstGeom>
+        </p:spPr>
+        <p:txBody>
+          <a:bodyPr wrap="none">
+            <a:spAutoFit/>
+          </a:bodyPr>
+          <a:lstStyle/>
+          <a:p>
+            <a:r>
+              <a:rPr lang="pt-BR" i="1" dirty="0">
+                <a:solidFill>
+                  <a:srgbClr val="006BEB"/>
+                </a:solidFill>
+                <a:effectLst>
+                  <a:outerShdw blurRad="38100" dist="38100" dir="2700000" algn="tl">
+                    <a:srgbClr val="000000">
+                      <a:alpha val="43137"/>
+                    </a:srgbClr>
+                  </a:outerShdw>
+                </a:effectLst>
+                <a:latin typeface="Bahnschrift SemiBold Condensed" panose="020B0502040204020203" pitchFamily="34" charset="0"/>
+                <a:cs typeface="Aharoni" panose="02010803020104030203" pitchFamily="2" charset="-79"/>
+              </a:rPr>
+              <a:t>TESTE DE UNIDADE</a:t>
+            </a:r>
+            <a:endParaRPr lang="pt-BR" dirty="0"/>
+          </a:p>
+        </p:txBody>
+      </p:sp>
+    </p:spTree>
+    <p:extLst>
+      <p:ext uri="{BB962C8B-B14F-4D97-AF65-F5344CB8AC3E}">
+        <p14:creationId xmlns:p14="http://schemas.microsoft.com/office/powerpoint/2010/main" val="2356835426"/>
+      </p:ext>
+    </p:extLst>
+  </p:cSld>
+  <p:clrMapOvr>
+    <a:masterClrMapping/>
+  </p:clrMapOvr>
+</p:sld>
+</file>
+
+<file path=ppt/slides/slide17.xml><?xml version="1.0" encoding="utf-8"?>
 <p:sld xmlns:a="http://schemas.openxmlformats.org/drawingml/2006/main" xmlns:r="http://schemas.openxmlformats.org/officeDocument/2006/relationships" xmlns:p="http://schemas.openxmlformats.org/presentationml/2006/main">
   <p:cSld>
     <p:spTree>
@@ -11520,7 +13237,10 @@
           <a:lstStyle/>
           <a:p>
             <a:pPr algn="ctr"/>
-            <a:endParaRPr lang="pt-BR"/>
+            <a:r>
+              <a:rPr lang="pt-BR" dirty="0"/>
+              <a:t>√</a:t>
+            </a:r>
           </a:p>
         </p:txBody>
       </p:sp>
@@ -11625,7 +13345,7 @@
         </p:blipFill>
         <p:spPr bwMode="auto">
           <a:xfrm>
-            <a:off x="3877930" y="1785639"/>
+            <a:off x="4921422" y="1672585"/>
             <a:ext cx="4436140" cy="4402510"/>
           </a:xfrm>
           <a:prstGeom prst="rect">
@@ -11643,6 +13363,104 @@
           </a:extLst>
         </p:spPr>
       </p:pic>
+      <p:sp>
+        <p:nvSpPr>
+          <p:cNvPr id="2" name="Retângulo 1">
+            <a:extLst>
+              <a:ext uri="{FF2B5EF4-FFF2-40B4-BE49-F238E27FC236}">
+                <a16:creationId xmlns:a16="http://schemas.microsoft.com/office/drawing/2014/main" id="{198DC687-DF2F-994B-9A4B-87751B0FE422}"/>
+              </a:ext>
+            </a:extLst>
+          </p:cNvPr>
+          <p:cNvSpPr/>
+          <p:nvPr/>
+        </p:nvSpPr>
+        <p:spPr>
+          <a:xfrm>
+            <a:off x="1614071" y="3029349"/>
+            <a:ext cx="2440733" cy="1200329"/>
+          </a:xfrm>
+          <a:prstGeom prst="rect">
+            <a:avLst/>
+          </a:prstGeom>
+        </p:spPr>
+        <p:txBody>
+          <a:bodyPr wrap="none">
+            <a:spAutoFit/>
+          </a:bodyPr>
+          <a:lstStyle/>
+          <a:p>
+            <a:pPr marL="285750" indent="-285750">
+              <a:buFont typeface="Wingdings" pitchFamily="2" charset="2"/>
+              <a:buChar char="ü"/>
+            </a:pPr>
+            <a:r>
+              <a:rPr lang="pt-BR" sz="2400" i="1" dirty="0">
+                <a:solidFill>
+                  <a:srgbClr val="006BEB"/>
+                </a:solidFill>
+                <a:effectLst>
+                  <a:outerShdw blurRad="38100" dist="38100" dir="2700000" algn="tl">
+                    <a:srgbClr val="000000">
+                      <a:alpha val="43137"/>
+                    </a:srgbClr>
+                  </a:outerShdw>
+                </a:effectLst>
+                <a:latin typeface="Bahnschrift SemiBold Condensed" panose="020B0502040204020203" pitchFamily="34" charset="0"/>
+                <a:cs typeface="Aharoni" panose="02010803020104030203" pitchFamily="2" charset="-79"/>
+              </a:rPr>
+              <a:t>Arquitetura</a:t>
+            </a:r>
+          </a:p>
+          <a:p>
+            <a:pPr marL="285750" indent="-285750">
+              <a:buFont typeface="Wingdings" pitchFamily="2" charset="2"/>
+              <a:buChar char="ü"/>
+            </a:pPr>
+            <a:r>
+              <a:rPr lang="pt-BR" sz="2400" i="1" dirty="0">
+                <a:solidFill>
+                  <a:srgbClr val="006BEB"/>
+                </a:solidFill>
+                <a:effectLst>
+                  <a:outerShdw blurRad="38100" dist="38100" dir="2700000" algn="tl">
+                    <a:srgbClr val="000000">
+                      <a:alpha val="43137"/>
+                    </a:srgbClr>
+                  </a:outerShdw>
+                </a:effectLst>
+                <a:latin typeface="Bahnschrift SemiBold Condensed" panose="020B0502040204020203" pitchFamily="34" charset="0"/>
+                <a:cs typeface="Aharoni" panose="02010803020104030203" pitchFamily="2" charset="-79"/>
+              </a:rPr>
+              <a:t>Banco de dados</a:t>
+            </a:r>
+          </a:p>
+          <a:p>
+            <a:pPr marL="285750" indent="-285750">
+              <a:buFont typeface="Wingdings" pitchFamily="2" charset="2"/>
+              <a:buChar char="ü"/>
+            </a:pPr>
+            <a:r>
+              <a:rPr lang="pt-BR" sz="2400" i="1" dirty="0">
+                <a:solidFill>
+                  <a:srgbClr val="006BEB"/>
+                </a:solidFill>
+                <a:effectLst>
+                  <a:outerShdw blurRad="38100" dist="38100" dir="2700000" algn="tl">
+                    <a:srgbClr val="000000">
+                      <a:alpha val="43137"/>
+                    </a:srgbClr>
+                  </a:outerShdw>
+                </a:effectLst>
+                <a:latin typeface="Bahnschrift SemiBold Condensed" panose="020B0502040204020203" pitchFamily="34" charset="0"/>
+                <a:cs typeface="Aharoni" panose="02010803020104030203" pitchFamily="2" charset="-79"/>
+              </a:rPr>
+              <a:t>Interface</a:t>
+            </a:r>
+            <a:endParaRPr lang="pt-BR" sz="2400" dirty="0"/>
+          </a:p>
+        </p:txBody>
+      </p:sp>
     </p:spTree>
     <p:extLst>
       <p:ext uri="{BB962C8B-B14F-4D97-AF65-F5344CB8AC3E}">
